--- a/流程图.pptx
+++ b/流程图.pptx
@@ -255,7 +255,7 @@
           <a:p>
             <a:fld id="{D997B5FA-0921-464F-AAE1-844C04324D75}" type="datetimeFigureOut">
               <a:rPr lang="zh-CN" altLang="en-US" smtClean="0"/>
-              <a:t>2022/4/28</a:t>
+              <a:t>2022/5/23</a:t>
             </a:fld>
             <a:endParaRPr lang="zh-CN" altLang="en-US"/>
           </a:p>
@@ -423,7 +423,7 @@
           <a:p>
             <a:fld id="{D997B5FA-0921-464F-AAE1-844C04324D75}" type="datetimeFigureOut">
               <a:rPr lang="zh-CN" altLang="en-US" smtClean="0"/>
-              <a:t>2022/4/28</a:t>
+              <a:t>2022/5/23</a:t>
             </a:fld>
             <a:endParaRPr lang="zh-CN" altLang="en-US"/>
           </a:p>
@@ -601,7 +601,7 @@
           <a:p>
             <a:fld id="{D997B5FA-0921-464F-AAE1-844C04324D75}" type="datetimeFigureOut">
               <a:rPr lang="zh-CN" altLang="en-US" smtClean="0"/>
-              <a:t>2022/4/28</a:t>
+              <a:t>2022/5/23</a:t>
             </a:fld>
             <a:endParaRPr lang="zh-CN" altLang="en-US"/>
           </a:p>
@@ -769,7 +769,7 @@
           <a:p>
             <a:fld id="{D997B5FA-0921-464F-AAE1-844C04324D75}" type="datetimeFigureOut">
               <a:rPr lang="zh-CN" altLang="en-US" smtClean="0"/>
-              <a:t>2022/4/28</a:t>
+              <a:t>2022/5/23</a:t>
             </a:fld>
             <a:endParaRPr lang="zh-CN" altLang="en-US"/>
           </a:p>
@@ -1014,7 +1014,7 @@
           <a:p>
             <a:fld id="{D997B5FA-0921-464F-AAE1-844C04324D75}" type="datetimeFigureOut">
               <a:rPr lang="zh-CN" altLang="en-US" smtClean="0"/>
-              <a:t>2022/4/28</a:t>
+              <a:t>2022/5/23</a:t>
             </a:fld>
             <a:endParaRPr lang="zh-CN" altLang="en-US"/>
           </a:p>
@@ -1243,7 +1243,7 @@
           <a:p>
             <a:fld id="{D997B5FA-0921-464F-AAE1-844C04324D75}" type="datetimeFigureOut">
               <a:rPr lang="zh-CN" altLang="en-US" smtClean="0"/>
-              <a:t>2022/4/28</a:t>
+              <a:t>2022/5/23</a:t>
             </a:fld>
             <a:endParaRPr lang="zh-CN" altLang="en-US"/>
           </a:p>
@@ -1607,7 +1607,7 @@
           <a:p>
             <a:fld id="{D997B5FA-0921-464F-AAE1-844C04324D75}" type="datetimeFigureOut">
               <a:rPr lang="zh-CN" altLang="en-US" smtClean="0"/>
-              <a:t>2022/4/28</a:t>
+              <a:t>2022/5/23</a:t>
             </a:fld>
             <a:endParaRPr lang="zh-CN" altLang="en-US"/>
           </a:p>
@@ -1724,7 +1724,7 @@
           <a:p>
             <a:fld id="{D997B5FA-0921-464F-AAE1-844C04324D75}" type="datetimeFigureOut">
               <a:rPr lang="zh-CN" altLang="en-US" smtClean="0"/>
-              <a:t>2022/4/28</a:t>
+              <a:t>2022/5/23</a:t>
             </a:fld>
             <a:endParaRPr lang="zh-CN" altLang="en-US"/>
           </a:p>
@@ -1819,7 +1819,7 @@
           <a:p>
             <a:fld id="{D997B5FA-0921-464F-AAE1-844C04324D75}" type="datetimeFigureOut">
               <a:rPr lang="zh-CN" altLang="en-US" smtClean="0"/>
-              <a:t>2022/4/28</a:t>
+              <a:t>2022/5/23</a:t>
             </a:fld>
             <a:endParaRPr lang="zh-CN" altLang="en-US"/>
           </a:p>
@@ -2094,7 +2094,7 @@
           <a:p>
             <a:fld id="{D997B5FA-0921-464F-AAE1-844C04324D75}" type="datetimeFigureOut">
               <a:rPr lang="zh-CN" altLang="en-US" smtClean="0"/>
-              <a:t>2022/4/28</a:t>
+              <a:t>2022/5/23</a:t>
             </a:fld>
             <a:endParaRPr lang="zh-CN" altLang="en-US"/>
           </a:p>
@@ -2346,7 +2346,7 @@
           <a:p>
             <a:fld id="{D997B5FA-0921-464F-AAE1-844C04324D75}" type="datetimeFigureOut">
               <a:rPr lang="zh-CN" altLang="en-US" smtClean="0"/>
-              <a:t>2022/4/28</a:t>
+              <a:t>2022/5/23</a:t>
             </a:fld>
             <a:endParaRPr lang="zh-CN" altLang="en-US"/>
           </a:p>
@@ -2557,7 +2557,7 @@
           <a:p>
             <a:fld id="{D997B5FA-0921-464F-AAE1-844C04324D75}" type="datetimeFigureOut">
               <a:rPr lang="zh-CN" altLang="en-US" smtClean="0"/>
-              <a:t>2022/4/28</a:t>
+              <a:t>2022/5/23</a:t>
             </a:fld>
             <a:endParaRPr lang="zh-CN" altLang="en-US"/>
           </a:p>
@@ -7007,8 +7007,8 @@
           </a:p>
         </p:txBody>
       </p:sp>
-      <mc:AlternateContent xmlns:mc="http://schemas.openxmlformats.org/markup-compatibility/2006">
-        <mc:Choice xmlns:a14="http://schemas.microsoft.com/office/drawing/2010/main" Requires="a14">
+      <mc:AlternateContent xmlns:mc="http://schemas.openxmlformats.org/markup-compatibility/2006" xmlns:a14="http://schemas.microsoft.com/office/drawing/2010/main">
+        <mc:Choice Requires="a14">
           <p:sp>
             <p:nvSpPr>
               <p:cNvPr id="13" name="流程图: 过程 12">
@@ -7160,7 +7160,7 @@
             </p:txBody>
           </p:sp>
         </mc:Choice>
-        <mc:Fallback>
+        <mc:Fallback xmlns="">
           <p:sp>
             <p:nvSpPr>
               <p:cNvPr id="13" name="流程图: 过程 12">
@@ -7210,8 +7210,8 @@
           </p:sp>
         </mc:Fallback>
       </mc:AlternateContent>
-      <mc:AlternateContent xmlns:mc="http://schemas.openxmlformats.org/markup-compatibility/2006">
-        <mc:Choice xmlns:a14="http://schemas.microsoft.com/office/drawing/2010/main" Requires="a14">
+      <mc:AlternateContent xmlns:mc="http://schemas.openxmlformats.org/markup-compatibility/2006" xmlns:a14="http://schemas.microsoft.com/office/drawing/2010/main">
+        <mc:Choice Requires="a14">
           <p:sp>
             <p:nvSpPr>
               <p:cNvPr id="21" name="流程图: 过程 20">
@@ -7322,7 +7322,7 @@
             </p:txBody>
           </p:sp>
         </mc:Choice>
-        <mc:Fallback>
+        <mc:Fallback xmlns="">
           <p:sp>
             <p:nvSpPr>
               <p:cNvPr id="21" name="流程图: 过程 20">
@@ -7526,8 +7526,8 @@
           </a:p>
         </p:txBody>
       </p:sp>
-      <mc:AlternateContent xmlns:mc="http://schemas.openxmlformats.org/markup-compatibility/2006">
-        <mc:Choice xmlns:a14="http://schemas.microsoft.com/office/drawing/2010/main" Requires="a14">
+      <mc:AlternateContent xmlns:mc="http://schemas.openxmlformats.org/markup-compatibility/2006" xmlns:a14="http://schemas.microsoft.com/office/drawing/2010/main">
+        <mc:Choice Requires="a14">
           <p:sp>
             <p:nvSpPr>
               <p:cNvPr id="20" name="流程图: 过程 19">
@@ -7687,7 +7687,7 @@
             </p:txBody>
           </p:sp>
         </mc:Choice>
-        <mc:Fallback>
+        <mc:Fallback xmlns="">
           <p:sp>
             <p:nvSpPr>
               <p:cNvPr id="20" name="流程图: 过程 19">
@@ -7737,8 +7737,8 @@
           </p:sp>
         </mc:Fallback>
       </mc:AlternateContent>
-      <mc:AlternateContent xmlns:mc="http://schemas.openxmlformats.org/markup-compatibility/2006">
-        <mc:Choice xmlns:a14="http://schemas.microsoft.com/office/drawing/2010/main" Requires="a14">
+      <mc:AlternateContent xmlns:mc="http://schemas.openxmlformats.org/markup-compatibility/2006" xmlns:a14="http://schemas.microsoft.com/office/drawing/2010/main">
+        <mc:Choice Requires="a14">
           <p:sp>
             <p:nvSpPr>
               <p:cNvPr id="22" name="流程图: 过程 21">
@@ -7875,7 +7875,7 @@
             </p:txBody>
           </p:sp>
         </mc:Choice>
-        <mc:Fallback>
+        <mc:Fallback xmlns="">
           <p:sp>
             <p:nvSpPr>
               <p:cNvPr id="22" name="流程图: 过程 21">
@@ -11082,51 +11082,6 @@
       </p:sp>
       <p:cxnSp>
         <p:nvCxnSpPr>
-          <p:cNvPr id="24" name="连接符: 肘形 23">
-            <a:extLst>
-              <a:ext uri="{FF2B5EF4-FFF2-40B4-BE49-F238E27FC236}">
-                <a16:creationId xmlns:a16="http://schemas.microsoft.com/office/drawing/2014/main" id="{883BB026-79BA-4C17-A48B-FF96B0293665}"/>
-              </a:ext>
-            </a:extLst>
-          </p:cNvPr>
-          <p:cNvCxnSpPr>
-            <a:cxnSpLocks/>
-            <a:stCxn id="10" idx="0"/>
-            <a:endCxn id="7" idx="0"/>
-          </p:cNvCxnSpPr>
-          <p:nvPr/>
-        </p:nvCxnSpPr>
-        <p:spPr>
-          <a:xfrm rot="5400000" flipH="1" flipV="1">
-            <a:off x="6095999" y="-1908937"/>
-            <a:ext cx="2" cy="7268079"/>
-          </a:xfrm>
-          <a:prstGeom prst="bentConnector3">
-            <a:avLst>
-              <a:gd name="adj1" fmla="val 11430100000"/>
-            </a:avLst>
-          </a:prstGeom>
-          <a:ln>
-            <a:tailEnd type="triangle"/>
-          </a:ln>
-        </p:spPr>
-        <p:style>
-          <a:lnRef idx="1">
-            <a:schemeClr val="dk1"/>
-          </a:lnRef>
-          <a:fillRef idx="0">
-            <a:schemeClr val="dk1"/>
-          </a:fillRef>
-          <a:effectRef idx="0">
-            <a:schemeClr val="dk1"/>
-          </a:effectRef>
-          <a:fontRef idx="minor">
-            <a:schemeClr val="tx1"/>
-          </a:fontRef>
-        </p:style>
-      </p:cxnSp>
-      <p:cxnSp>
-        <p:nvCxnSpPr>
           <p:cNvPr id="31" name="连接符: 肘形 30">
             <a:extLst>
               <a:ext uri="{FF2B5EF4-FFF2-40B4-BE49-F238E27FC236}">
@@ -11197,6 +11152,51 @@
             </a:avLst>
           </a:prstGeom>
           <a:ln>
+            <a:tailEnd type="triangle"/>
+          </a:ln>
+        </p:spPr>
+        <p:style>
+          <a:lnRef idx="1">
+            <a:schemeClr val="dk1"/>
+          </a:lnRef>
+          <a:fillRef idx="0">
+            <a:schemeClr val="dk1"/>
+          </a:fillRef>
+          <a:effectRef idx="0">
+            <a:schemeClr val="dk1"/>
+          </a:effectRef>
+          <a:fontRef idx="minor">
+            <a:schemeClr val="tx1"/>
+          </a:fontRef>
+        </p:style>
+      </p:cxnSp>
+      <p:cxnSp>
+        <p:nvCxnSpPr>
+          <p:cNvPr id="13" name="连接符: 肘形 12">
+            <a:extLst>
+              <a:ext uri="{FF2B5EF4-FFF2-40B4-BE49-F238E27FC236}">
+                <a16:creationId xmlns:a16="http://schemas.microsoft.com/office/drawing/2014/main" id="{81ABFA11-B16B-A48E-5311-55B99160C304}"/>
+              </a:ext>
+            </a:extLst>
+          </p:cNvPr>
+          <p:cNvCxnSpPr>
+            <a:stCxn id="10" idx="0"/>
+            <a:endCxn id="7" idx="0"/>
+          </p:cNvCxnSpPr>
+          <p:nvPr/>
+        </p:nvCxnSpPr>
+        <p:spPr>
+          <a:xfrm rot="5400000" flipH="1" flipV="1">
+            <a:off x="6095999" y="-1908937"/>
+            <a:ext cx="2" cy="7268079"/>
+          </a:xfrm>
+          <a:prstGeom prst="bentConnector3">
+            <a:avLst>
+              <a:gd name="adj1" fmla="val 11430100000"/>
+            </a:avLst>
+          </a:prstGeom>
+          <a:ln>
+            <a:headEnd type="triangle"/>
             <a:tailEnd type="triangle"/>
           </a:ln>
         </p:spPr>
